--- a/ppt 16-9/0978.愿有耶稣.pptx
+++ b/ppt 16-9/0978.愿有耶稣.pptx
@@ -129,7 +129,7 @@
           <p:cNvPr id="2" name="标题 1">
             <a:extLst>
               <a:ext uri="{FF2B5EF4-FFF2-40B4-BE49-F238E27FC236}">
-                <a16:creationId xmlns:a16="http://schemas.microsoft.com/office/drawing/2014/main" id="{EE8214A7-0AAF-C3CB-57C9-9CCE3F1FFE3B}"/>
+                <a16:creationId xmlns:a16="http://schemas.microsoft.com/office/drawing/2014/main" id="{9D1F5D52-35AC-02FF-B711-1C538FCE0415}"/>
               </a:ext>
             </a:extLst>
           </p:cNvPr>
@@ -166,7 +166,7 @@
           <p:cNvPr id="3" name="副标题 2">
             <a:extLst>
               <a:ext uri="{FF2B5EF4-FFF2-40B4-BE49-F238E27FC236}">
-                <a16:creationId xmlns:a16="http://schemas.microsoft.com/office/drawing/2014/main" id="{3F86DE3C-C90A-6659-A1B7-3CC38D096E3A}"/>
+                <a16:creationId xmlns:a16="http://schemas.microsoft.com/office/drawing/2014/main" id="{FAC67808-1E1F-2070-0793-884C133A61CB}"/>
               </a:ext>
             </a:extLst>
           </p:cNvPr>
@@ -236,7 +236,7 @@
           <p:cNvPr id="4" name="日期占位符 3">
             <a:extLst>
               <a:ext uri="{FF2B5EF4-FFF2-40B4-BE49-F238E27FC236}">
-                <a16:creationId xmlns:a16="http://schemas.microsoft.com/office/drawing/2014/main" id="{C12847AA-C708-6D1B-DC0F-0E6EBAAAD2B2}"/>
+                <a16:creationId xmlns:a16="http://schemas.microsoft.com/office/drawing/2014/main" id="{104D3407-DD02-5C31-84CC-0592F92585BF}"/>
               </a:ext>
             </a:extLst>
           </p:cNvPr>
@@ -252,7 +252,7 @@
           <a:bodyPr/>
           <a:lstStyle/>
           <a:p>
-            <a:fld id="{C251E10E-543F-4645-9468-D4B0FCA8322A}" type="datetimeFigureOut">
+            <a:fld id="{70089170-B3EE-4B23-975F-F20FC553CC3B}" type="datetimeFigureOut">
               <a:rPr lang="zh-CN" altLang="en-US" smtClean="0"/>
               <a:t>2024/3/10</a:t>
             </a:fld>
@@ -265,7 +265,7 @@
           <p:cNvPr id="5" name="页脚占位符 4">
             <a:extLst>
               <a:ext uri="{FF2B5EF4-FFF2-40B4-BE49-F238E27FC236}">
-                <a16:creationId xmlns:a16="http://schemas.microsoft.com/office/drawing/2014/main" id="{EB90F25E-F537-9D97-8E6B-47254830221B}"/>
+                <a16:creationId xmlns:a16="http://schemas.microsoft.com/office/drawing/2014/main" id="{98289070-3521-4D9E-D803-1EDECB68F496}"/>
               </a:ext>
             </a:extLst>
           </p:cNvPr>
@@ -290,7 +290,7 @@
           <p:cNvPr id="6" name="灯片编号占位符 5">
             <a:extLst>
               <a:ext uri="{FF2B5EF4-FFF2-40B4-BE49-F238E27FC236}">
-                <a16:creationId xmlns:a16="http://schemas.microsoft.com/office/drawing/2014/main" id="{23AF28A3-2898-2A66-C7B5-FBABACC824FE}"/>
+                <a16:creationId xmlns:a16="http://schemas.microsoft.com/office/drawing/2014/main" id="{3E86C6E6-9D4A-88FD-1DEA-92B8297C2A07}"/>
               </a:ext>
             </a:extLst>
           </p:cNvPr>
@@ -306,7 +306,7 @@
           <a:bodyPr/>
           <a:lstStyle/>
           <a:p>
-            <a:fld id="{EEF008CF-A046-4057-978C-53B428DB9C1C}" type="slidenum">
+            <a:fld id="{4D7F68FD-D081-4185-B4A9-C2E9F58BB5CF}" type="slidenum">
               <a:rPr lang="zh-CN" altLang="en-US" smtClean="0"/>
               <a:t>‹#›</a:t>
             </a:fld>
@@ -317,7 +317,7 @@
     </p:spTree>
     <p:extLst>
       <p:ext uri="{BB962C8B-B14F-4D97-AF65-F5344CB8AC3E}">
-        <p14:creationId xmlns:p14="http://schemas.microsoft.com/office/powerpoint/2010/main" val="3183292158"/>
+        <p14:creationId xmlns:p14="http://schemas.microsoft.com/office/powerpoint/2010/main" val="266845667"/>
       </p:ext>
     </p:extLst>
   </p:cSld>
@@ -349,7 +349,7 @@
           <p:cNvPr id="2" name="标题 1">
             <a:extLst>
               <a:ext uri="{FF2B5EF4-FFF2-40B4-BE49-F238E27FC236}">
-                <a16:creationId xmlns:a16="http://schemas.microsoft.com/office/drawing/2014/main" id="{DE8F2A52-7A95-DC18-C349-C23E221398AF}"/>
+                <a16:creationId xmlns:a16="http://schemas.microsoft.com/office/drawing/2014/main" id="{CC78259C-C42E-BFE1-5E45-A021F4F33EAC}"/>
               </a:ext>
             </a:extLst>
           </p:cNvPr>
@@ -377,7 +377,7 @@
           <p:cNvPr id="3" name="竖排文字占位符 2">
             <a:extLst>
               <a:ext uri="{FF2B5EF4-FFF2-40B4-BE49-F238E27FC236}">
-                <a16:creationId xmlns:a16="http://schemas.microsoft.com/office/drawing/2014/main" id="{C500F00A-419E-898B-404A-C01E653DBC2A}"/>
+                <a16:creationId xmlns:a16="http://schemas.microsoft.com/office/drawing/2014/main" id="{C1A1F1A0-4A92-2B6F-52F0-1988D36421D9}"/>
               </a:ext>
             </a:extLst>
           </p:cNvPr>
@@ -434,7 +434,7 @@
           <p:cNvPr id="4" name="日期占位符 3">
             <a:extLst>
               <a:ext uri="{FF2B5EF4-FFF2-40B4-BE49-F238E27FC236}">
-                <a16:creationId xmlns:a16="http://schemas.microsoft.com/office/drawing/2014/main" id="{4BCA24EF-4459-C3F5-0159-6F0F2D804075}"/>
+                <a16:creationId xmlns:a16="http://schemas.microsoft.com/office/drawing/2014/main" id="{1ABF67C0-7183-A1C3-BA27-36DE3998F198}"/>
               </a:ext>
             </a:extLst>
           </p:cNvPr>
@@ -450,7 +450,7 @@
           <a:bodyPr/>
           <a:lstStyle/>
           <a:p>
-            <a:fld id="{C251E10E-543F-4645-9468-D4B0FCA8322A}" type="datetimeFigureOut">
+            <a:fld id="{70089170-B3EE-4B23-975F-F20FC553CC3B}" type="datetimeFigureOut">
               <a:rPr lang="zh-CN" altLang="en-US" smtClean="0"/>
               <a:t>2024/3/10</a:t>
             </a:fld>
@@ -463,7 +463,7 @@
           <p:cNvPr id="5" name="页脚占位符 4">
             <a:extLst>
               <a:ext uri="{FF2B5EF4-FFF2-40B4-BE49-F238E27FC236}">
-                <a16:creationId xmlns:a16="http://schemas.microsoft.com/office/drawing/2014/main" id="{EF361AEE-A630-1585-3F5D-5522BEB0CE59}"/>
+                <a16:creationId xmlns:a16="http://schemas.microsoft.com/office/drawing/2014/main" id="{40594756-EDF9-5278-0C74-1FD328195AFF}"/>
               </a:ext>
             </a:extLst>
           </p:cNvPr>
@@ -488,7 +488,7 @@
           <p:cNvPr id="6" name="灯片编号占位符 5">
             <a:extLst>
               <a:ext uri="{FF2B5EF4-FFF2-40B4-BE49-F238E27FC236}">
-                <a16:creationId xmlns:a16="http://schemas.microsoft.com/office/drawing/2014/main" id="{2625BD99-130B-9826-682A-696440AE3DEB}"/>
+                <a16:creationId xmlns:a16="http://schemas.microsoft.com/office/drawing/2014/main" id="{338D1DDE-3CEC-EF26-0D6C-F88FF6413E82}"/>
               </a:ext>
             </a:extLst>
           </p:cNvPr>
@@ -504,7 +504,7 @@
           <a:bodyPr/>
           <a:lstStyle/>
           <a:p>
-            <a:fld id="{EEF008CF-A046-4057-978C-53B428DB9C1C}" type="slidenum">
+            <a:fld id="{4D7F68FD-D081-4185-B4A9-C2E9F58BB5CF}" type="slidenum">
               <a:rPr lang="zh-CN" altLang="en-US" smtClean="0"/>
               <a:t>‹#›</a:t>
             </a:fld>
@@ -515,7 +515,7 @@
     </p:spTree>
     <p:extLst>
       <p:ext uri="{BB962C8B-B14F-4D97-AF65-F5344CB8AC3E}">
-        <p14:creationId xmlns:p14="http://schemas.microsoft.com/office/powerpoint/2010/main" val="3755769160"/>
+        <p14:creationId xmlns:p14="http://schemas.microsoft.com/office/powerpoint/2010/main" val="1122217722"/>
       </p:ext>
     </p:extLst>
   </p:cSld>
@@ -547,7 +547,7 @@
           <p:cNvPr id="2" name="竖排标题 1">
             <a:extLst>
               <a:ext uri="{FF2B5EF4-FFF2-40B4-BE49-F238E27FC236}">
-                <a16:creationId xmlns:a16="http://schemas.microsoft.com/office/drawing/2014/main" id="{5113FF41-D192-5F17-A197-D8D5AF343011}"/>
+                <a16:creationId xmlns:a16="http://schemas.microsoft.com/office/drawing/2014/main" id="{D57BDE67-7601-776C-4C6C-D35BAD01BA45}"/>
               </a:ext>
             </a:extLst>
           </p:cNvPr>
@@ -580,7 +580,7 @@
           <p:cNvPr id="3" name="竖排文字占位符 2">
             <a:extLst>
               <a:ext uri="{FF2B5EF4-FFF2-40B4-BE49-F238E27FC236}">
-                <a16:creationId xmlns:a16="http://schemas.microsoft.com/office/drawing/2014/main" id="{F9BDA712-04C1-756C-A79E-C06D12370686}"/>
+                <a16:creationId xmlns:a16="http://schemas.microsoft.com/office/drawing/2014/main" id="{5B821790-BBA5-B8F8-80EB-EBAFCC2EE71F}"/>
               </a:ext>
             </a:extLst>
           </p:cNvPr>
@@ -642,7 +642,7 @@
           <p:cNvPr id="4" name="日期占位符 3">
             <a:extLst>
               <a:ext uri="{FF2B5EF4-FFF2-40B4-BE49-F238E27FC236}">
-                <a16:creationId xmlns:a16="http://schemas.microsoft.com/office/drawing/2014/main" id="{59FD1D0A-425A-AE8C-1E47-FC9244073D9E}"/>
+                <a16:creationId xmlns:a16="http://schemas.microsoft.com/office/drawing/2014/main" id="{21C394C6-725A-38E8-740D-0EE64340BA13}"/>
               </a:ext>
             </a:extLst>
           </p:cNvPr>
@@ -658,7 +658,7 @@
           <a:bodyPr/>
           <a:lstStyle/>
           <a:p>
-            <a:fld id="{C251E10E-543F-4645-9468-D4B0FCA8322A}" type="datetimeFigureOut">
+            <a:fld id="{70089170-B3EE-4B23-975F-F20FC553CC3B}" type="datetimeFigureOut">
               <a:rPr lang="zh-CN" altLang="en-US" smtClean="0"/>
               <a:t>2024/3/10</a:t>
             </a:fld>
@@ -671,7 +671,7 @@
           <p:cNvPr id="5" name="页脚占位符 4">
             <a:extLst>
               <a:ext uri="{FF2B5EF4-FFF2-40B4-BE49-F238E27FC236}">
-                <a16:creationId xmlns:a16="http://schemas.microsoft.com/office/drawing/2014/main" id="{9A5794FF-33D2-5BC8-3477-328E64561DA2}"/>
+                <a16:creationId xmlns:a16="http://schemas.microsoft.com/office/drawing/2014/main" id="{F259B17E-B01A-7065-735E-B3C1CFC9861E}"/>
               </a:ext>
             </a:extLst>
           </p:cNvPr>
@@ -696,7 +696,7 @@
           <p:cNvPr id="6" name="灯片编号占位符 5">
             <a:extLst>
               <a:ext uri="{FF2B5EF4-FFF2-40B4-BE49-F238E27FC236}">
-                <a16:creationId xmlns:a16="http://schemas.microsoft.com/office/drawing/2014/main" id="{DCE9447D-B871-7054-33A2-FA87FCB9DA52}"/>
+                <a16:creationId xmlns:a16="http://schemas.microsoft.com/office/drawing/2014/main" id="{BC5604C6-F218-F047-5859-05B262025F2E}"/>
               </a:ext>
             </a:extLst>
           </p:cNvPr>
@@ -712,7 +712,7 @@
           <a:bodyPr/>
           <a:lstStyle/>
           <a:p>
-            <a:fld id="{EEF008CF-A046-4057-978C-53B428DB9C1C}" type="slidenum">
+            <a:fld id="{4D7F68FD-D081-4185-B4A9-C2E9F58BB5CF}" type="slidenum">
               <a:rPr lang="zh-CN" altLang="en-US" smtClean="0"/>
               <a:t>‹#›</a:t>
             </a:fld>
@@ -723,7 +723,7 @@
     </p:spTree>
     <p:extLst>
       <p:ext uri="{BB962C8B-B14F-4D97-AF65-F5344CB8AC3E}">
-        <p14:creationId xmlns:p14="http://schemas.microsoft.com/office/powerpoint/2010/main" val="1328487751"/>
+        <p14:creationId xmlns:p14="http://schemas.microsoft.com/office/powerpoint/2010/main" val="292826871"/>
       </p:ext>
     </p:extLst>
   </p:cSld>
@@ -755,7 +755,7 @@
           <p:cNvPr id="2" name="标题 1">
             <a:extLst>
               <a:ext uri="{FF2B5EF4-FFF2-40B4-BE49-F238E27FC236}">
-                <a16:creationId xmlns:a16="http://schemas.microsoft.com/office/drawing/2014/main" id="{0BF376A4-9BAE-15DB-07B2-D5E2021D340A}"/>
+                <a16:creationId xmlns:a16="http://schemas.microsoft.com/office/drawing/2014/main" id="{5FF5B761-6241-F9CA-C902-F0ECCC9EC3D9}"/>
               </a:ext>
             </a:extLst>
           </p:cNvPr>
@@ -783,7 +783,7 @@
           <p:cNvPr id="3" name="内容占位符 2">
             <a:extLst>
               <a:ext uri="{FF2B5EF4-FFF2-40B4-BE49-F238E27FC236}">
-                <a16:creationId xmlns:a16="http://schemas.microsoft.com/office/drawing/2014/main" id="{6802BC2A-2DC2-22F7-84B3-31894094CE4C}"/>
+                <a16:creationId xmlns:a16="http://schemas.microsoft.com/office/drawing/2014/main" id="{3F596D6D-FAF6-4760-73EE-42F06E523F42}"/>
               </a:ext>
             </a:extLst>
           </p:cNvPr>
@@ -840,7 +840,7 @@
           <p:cNvPr id="4" name="日期占位符 3">
             <a:extLst>
               <a:ext uri="{FF2B5EF4-FFF2-40B4-BE49-F238E27FC236}">
-                <a16:creationId xmlns:a16="http://schemas.microsoft.com/office/drawing/2014/main" id="{07022C08-95FA-0599-B77F-3A1672B98CC0}"/>
+                <a16:creationId xmlns:a16="http://schemas.microsoft.com/office/drawing/2014/main" id="{F838B044-141C-1E90-91F4-C61AF1DA2658}"/>
               </a:ext>
             </a:extLst>
           </p:cNvPr>
@@ -856,7 +856,7 @@
           <a:bodyPr/>
           <a:lstStyle/>
           <a:p>
-            <a:fld id="{C251E10E-543F-4645-9468-D4B0FCA8322A}" type="datetimeFigureOut">
+            <a:fld id="{70089170-B3EE-4B23-975F-F20FC553CC3B}" type="datetimeFigureOut">
               <a:rPr lang="zh-CN" altLang="en-US" smtClean="0"/>
               <a:t>2024/3/10</a:t>
             </a:fld>
@@ -869,7 +869,7 @@
           <p:cNvPr id="5" name="页脚占位符 4">
             <a:extLst>
               <a:ext uri="{FF2B5EF4-FFF2-40B4-BE49-F238E27FC236}">
-                <a16:creationId xmlns:a16="http://schemas.microsoft.com/office/drawing/2014/main" id="{8B2D2BF5-F47B-6CA0-1CA9-63AEF96E90CD}"/>
+                <a16:creationId xmlns:a16="http://schemas.microsoft.com/office/drawing/2014/main" id="{41414C7C-9C6C-AA6B-49BC-1D8D145B04D4}"/>
               </a:ext>
             </a:extLst>
           </p:cNvPr>
@@ -894,7 +894,7 @@
           <p:cNvPr id="6" name="灯片编号占位符 5">
             <a:extLst>
               <a:ext uri="{FF2B5EF4-FFF2-40B4-BE49-F238E27FC236}">
-                <a16:creationId xmlns:a16="http://schemas.microsoft.com/office/drawing/2014/main" id="{6AA3DC1D-21ED-E5A8-DD82-48A6ECEDD8E2}"/>
+                <a16:creationId xmlns:a16="http://schemas.microsoft.com/office/drawing/2014/main" id="{B696FD14-2649-373E-C23D-FF2AEEF56033}"/>
               </a:ext>
             </a:extLst>
           </p:cNvPr>
@@ -910,7 +910,7 @@
           <a:bodyPr/>
           <a:lstStyle/>
           <a:p>
-            <a:fld id="{EEF008CF-A046-4057-978C-53B428DB9C1C}" type="slidenum">
+            <a:fld id="{4D7F68FD-D081-4185-B4A9-C2E9F58BB5CF}" type="slidenum">
               <a:rPr lang="zh-CN" altLang="en-US" smtClean="0"/>
               <a:t>‹#›</a:t>
             </a:fld>
@@ -921,7 +921,7 @@
     </p:spTree>
     <p:extLst>
       <p:ext uri="{BB962C8B-B14F-4D97-AF65-F5344CB8AC3E}">
-        <p14:creationId xmlns:p14="http://schemas.microsoft.com/office/powerpoint/2010/main" val="3947715053"/>
+        <p14:creationId xmlns:p14="http://schemas.microsoft.com/office/powerpoint/2010/main" val="4254043166"/>
       </p:ext>
     </p:extLst>
   </p:cSld>
@@ -953,7 +953,7 @@
           <p:cNvPr id="2" name="标题 1">
             <a:extLst>
               <a:ext uri="{FF2B5EF4-FFF2-40B4-BE49-F238E27FC236}">
-                <a16:creationId xmlns:a16="http://schemas.microsoft.com/office/drawing/2014/main" id="{2836D72C-F311-97EF-A0C1-7628DCD92AD8}"/>
+                <a16:creationId xmlns:a16="http://schemas.microsoft.com/office/drawing/2014/main" id="{1EA8449F-4848-31AF-22F0-1D3FAE703195}"/>
               </a:ext>
             </a:extLst>
           </p:cNvPr>
@@ -990,7 +990,7 @@
           <p:cNvPr id="3" name="文本占位符 2">
             <a:extLst>
               <a:ext uri="{FF2B5EF4-FFF2-40B4-BE49-F238E27FC236}">
-                <a16:creationId xmlns:a16="http://schemas.microsoft.com/office/drawing/2014/main" id="{F34835A3-8CB7-AF97-89E0-ECB35C90C349}"/>
+                <a16:creationId xmlns:a16="http://schemas.microsoft.com/office/drawing/2014/main" id="{44D7AF11-CA11-CF52-814D-466161BB4C9B}"/>
               </a:ext>
             </a:extLst>
           </p:cNvPr>
@@ -1115,7 +1115,7 @@
           <p:cNvPr id="4" name="日期占位符 3">
             <a:extLst>
               <a:ext uri="{FF2B5EF4-FFF2-40B4-BE49-F238E27FC236}">
-                <a16:creationId xmlns:a16="http://schemas.microsoft.com/office/drawing/2014/main" id="{EAD37D33-D30A-0E9B-60D4-1CED62C78B15}"/>
+                <a16:creationId xmlns:a16="http://schemas.microsoft.com/office/drawing/2014/main" id="{5D9A6C87-BC24-B1A5-FFA5-B0C32B0DF29E}"/>
               </a:ext>
             </a:extLst>
           </p:cNvPr>
@@ -1131,7 +1131,7 @@
           <a:bodyPr/>
           <a:lstStyle/>
           <a:p>
-            <a:fld id="{C251E10E-543F-4645-9468-D4B0FCA8322A}" type="datetimeFigureOut">
+            <a:fld id="{70089170-B3EE-4B23-975F-F20FC553CC3B}" type="datetimeFigureOut">
               <a:rPr lang="zh-CN" altLang="en-US" smtClean="0"/>
               <a:t>2024/3/10</a:t>
             </a:fld>
@@ -1144,7 +1144,7 @@
           <p:cNvPr id="5" name="页脚占位符 4">
             <a:extLst>
               <a:ext uri="{FF2B5EF4-FFF2-40B4-BE49-F238E27FC236}">
-                <a16:creationId xmlns:a16="http://schemas.microsoft.com/office/drawing/2014/main" id="{5AD4A514-B2C0-8AB5-8666-FCF2E8954849}"/>
+                <a16:creationId xmlns:a16="http://schemas.microsoft.com/office/drawing/2014/main" id="{35A95890-8162-4A6B-45F4-D60DB32EC93F}"/>
               </a:ext>
             </a:extLst>
           </p:cNvPr>
@@ -1169,7 +1169,7 @@
           <p:cNvPr id="6" name="灯片编号占位符 5">
             <a:extLst>
               <a:ext uri="{FF2B5EF4-FFF2-40B4-BE49-F238E27FC236}">
-                <a16:creationId xmlns:a16="http://schemas.microsoft.com/office/drawing/2014/main" id="{7D469FA8-733C-84A2-37BE-E03A9E83599E}"/>
+                <a16:creationId xmlns:a16="http://schemas.microsoft.com/office/drawing/2014/main" id="{75350F62-AA64-0B86-89BF-A8D975BFF2D3}"/>
               </a:ext>
             </a:extLst>
           </p:cNvPr>
@@ -1185,7 +1185,7 @@
           <a:bodyPr/>
           <a:lstStyle/>
           <a:p>
-            <a:fld id="{EEF008CF-A046-4057-978C-53B428DB9C1C}" type="slidenum">
+            <a:fld id="{4D7F68FD-D081-4185-B4A9-C2E9F58BB5CF}" type="slidenum">
               <a:rPr lang="zh-CN" altLang="en-US" smtClean="0"/>
               <a:t>‹#›</a:t>
             </a:fld>
@@ -1196,7 +1196,7 @@
     </p:spTree>
     <p:extLst>
       <p:ext uri="{BB962C8B-B14F-4D97-AF65-F5344CB8AC3E}">
-        <p14:creationId xmlns:p14="http://schemas.microsoft.com/office/powerpoint/2010/main" val="108406203"/>
+        <p14:creationId xmlns:p14="http://schemas.microsoft.com/office/powerpoint/2010/main" val="1589655511"/>
       </p:ext>
     </p:extLst>
   </p:cSld>
@@ -1228,7 +1228,7 @@
           <p:cNvPr id="2" name="标题 1">
             <a:extLst>
               <a:ext uri="{FF2B5EF4-FFF2-40B4-BE49-F238E27FC236}">
-                <a16:creationId xmlns:a16="http://schemas.microsoft.com/office/drawing/2014/main" id="{A8590D6B-F524-200E-5297-8E06CEA41669}"/>
+                <a16:creationId xmlns:a16="http://schemas.microsoft.com/office/drawing/2014/main" id="{19A3231D-1D56-A4EB-C6E0-D4482916B75A}"/>
               </a:ext>
             </a:extLst>
           </p:cNvPr>
@@ -1256,7 +1256,7 @@
           <p:cNvPr id="3" name="内容占位符 2">
             <a:extLst>
               <a:ext uri="{FF2B5EF4-FFF2-40B4-BE49-F238E27FC236}">
-                <a16:creationId xmlns:a16="http://schemas.microsoft.com/office/drawing/2014/main" id="{4643B148-417A-B052-D895-FE9F053E25ED}"/>
+                <a16:creationId xmlns:a16="http://schemas.microsoft.com/office/drawing/2014/main" id="{DB69E317-4845-4748-EEFE-E513426905BD}"/>
               </a:ext>
             </a:extLst>
           </p:cNvPr>
@@ -1318,7 +1318,7 @@
           <p:cNvPr id="4" name="内容占位符 3">
             <a:extLst>
               <a:ext uri="{FF2B5EF4-FFF2-40B4-BE49-F238E27FC236}">
-                <a16:creationId xmlns:a16="http://schemas.microsoft.com/office/drawing/2014/main" id="{E06391AD-8393-E0D4-EBB8-3682337D1450}"/>
+                <a16:creationId xmlns:a16="http://schemas.microsoft.com/office/drawing/2014/main" id="{CE37A80D-8941-18E8-E952-E0195CCD8226}"/>
               </a:ext>
             </a:extLst>
           </p:cNvPr>
@@ -1380,7 +1380,7 @@
           <p:cNvPr id="5" name="日期占位符 4">
             <a:extLst>
               <a:ext uri="{FF2B5EF4-FFF2-40B4-BE49-F238E27FC236}">
-                <a16:creationId xmlns:a16="http://schemas.microsoft.com/office/drawing/2014/main" id="{B487E525-A663-A9C5-2DF5-1137B4793FC3}"/>
+                <a16:creationId xmlns:a16="http://schemas.microsoft.com/office/drawing/2014/main" id="{866F674E-9592-28C8-FE4F-36BA45C35D8B}"/>
               </a:ext>
             </a:extLst>
           </p:cNvPr>
@@ -1396,7 +1396,7 @@
           <a:bodyPr/>
           <a:lstStyle/>
           <a:p>
-            <a:fld id="{C251E10E-543F-4645-9468-D4B0FCA8322A}" type="datetimeFigureOut">
+            <a:fld id="{70089170-B3EE-4B23-975F-F20FC553CC3B}" type="datetimeFigureOut">
               <a:rPr lang="zh-CN" altLang="en-US" smtClean="0"/>
               <a:t>2024/3/10</a:t>
             </a:fld>
@@ -1409,7 +1409,7 @@
           <p:cNvPr id="6" name="页脚占位符 5">
             <a:extLst>
               <a:ext uri="{FF2B5EF4-FFF2-40B4-BE49-F238E27FC236}">
-                <a16:creationId xmlns:a16="http://schemas.microsoft.com/office/drawing/2014/main" id="{EC3DDEB4-DFDC-2989-3B12-AC37106F99C1}"/>
+                <a16:creationId xmlns:a16="http://schemas.microsoft.com/office/drawing/2014/main" id="{D1B1D3A2-82DB-A3C9-E8B8-BBA217E32F18}"/>
               </a:ext>
             </a:extLst>
           </p:cNvPr>
@@ -1434,7 +1434,7 @@
           <p:cNvPr id="7" name="灯片编号占位符 6">
             <a:extLst>
               <a:ext uri="{FF2B5EF4-FFF2-40B4-BE49-F238E27FC236}">
-                <a16:creationId xmlns:a16="http://schemas.microsoft.com/office/drawing/2014/main" id="{CD44C6C7-204F-C46D-4F86-D304EECC174B}"/>
+                <a16:creationId xmlns:a16="http://schemas.microsoft.com/office/drawing/2014/main" id="{07FDBA76-027E-6403-BC8A-0547CA3411BC}"/>
               </a:ext>
             </a:extLst>
           </p:cNvPr>
@@ -1450,7 +1450,7 @@
           <a:bodyPr/>
           <a:lstStyle/>
           <a:p>
-            <a:fld id="{EEF008CF-A046-4057-978C-53B428DB9C1C}" type="slidenum">
+            <a:fld id="{4D7F68FD-D081-4185-B4A9-C2E9F58BB5CF}" type="slidenum">
               <a:rPr lang="zh-CN" altLang="en-US" smtClean="0"/>
               <a:t>‹#›</a:t>
             </a:fld>
@@ -1461,7 +1461,7 @@
     </p:spTree>
     <p:extLst>
       <p:ext uri="{BB962C8B-B14F-4D97-AF65-F5344CB8AC3E}">
-        <p14:creationId xmlns:p14="http://schemas.microsoft.com/office/powerpoint/2010/main" val="2416091534"/>
+        <p14:creationId xmlns:p14="http://schemas.microsoft.com/office/powerpoint/2010/main" val="1852788644"/>
       </p:ext>
     </p:extLst>
   </p:cSld>
@@ -1493,7 +1493,7 @@
           <p:cNvPr id="2" name="标题 1">
             <a:extLst>
               <a:ext uri="{FF2B5EF4-FFF2-40B4-BE49-F238E27FC236}">
-                <a16:creationId xmlns:a16="http://schemas.microsoft.com/office/drawing/2014/main" id="{67623060-19AE-8A29-06D0-9C8375118238}"/>
+                <a16:creationId xmlns:a16="http://schemas.microsoft.com/office/drawing/2014/main" id="{BD0DE272-A246-60DA-B7AB-9861452B9FC1}"/>
               </a:ext>
             </a:extLst>
           </p:cNvPr>
@@ -1526,7 +1526,7 @@
           <p:cNvPr id="3" name="文本占位符 2">
             <a:extLst>
               <a:ext uri="{FF2B5EF4-FFF2-40B4-BE49-F238E27FC236}">
-                <a16:creationId xmlns:a16="http://schemas.microsoft.com/office/drawing/2014/main" id="{033F0CA9-1455-511C-2DF8-7D66B4DE262C}"/>
+                <a16:creationId xmlns:a16="http://schemas.microsoft.com/office/drawing/2014/main" id="{9FD49E70-8CA7-2019-E343-07A4A2BBEEE2}"/>
               </a:ext>
             </a:extLst>
           </p:cNvPr>
@@ -1597,7 +1597,7 @@
           <p:cNvPr id="4" name="内容占位符 3">
             <a:extLst>
               <a:ext uri="{FF2B5EF4-FFF2-40B4-BE49-F238E27FC236}">
-                <a16:creationId xmlns:a16="http://schemas.microsoft.com/office/drawing/2014/main" id="{9787A8F2-ED20-C7DC-6507-9F75269A8EFD}"/>
+                <a16:creationId xmlns:a16="http://schemas.microsoft.com/office/drawing/2014/main" id="{8737E7A7-4EE3-4DC6-CA86-A718E3B06793}"/>
               </a:ext>
             </a:extLst>
           </p:cNvPr>
@@ -1659,7 +1659,7 @@
           <p:cNvPr id="5" name="文本占位符 4">
             <a:extLst>
               <a:ext uri="{FF2B5EF4-FFF2-40B4-BE49-F238E27FC236}">
-                <a16:creationId xmlns:a16="http://schemas.microsoft.com/office/drawing/2014/main" id="{5AD6EB54-B38F-FD5E-B550-7F697913DFBE}"/>
+                <a16:creationId xmlns:a16="http://schemas.microsoft.com/office/drawing/2014/main" id="{3DF9D5EF-9375-9144-F440-D876581DC393}"/>
               </a:ext>
             </a:extLst>
           </p:cNvPr>
@@ -1730,7 +1730,7 @@
           <p:cNvPr id="6" name="内容占位符 5">
             <a:extLst>
               <a:ext uri="{FF2B5EF4-FFF2-40B4-BE49-F238E27FC236}">
-                <a16:creationId xmlns:a16="http://schemas.microsoft.com/office/drawing/2014/main" id="{7D4DF07E-E393-C9EB-C0BB-74A6364C6A1D}"/>
+                <a16:creationId xmlns:a16="http://schemas.microsoft.com/office/drawing/2014/main" id="{83238E31-FCD6-4978-4B7D-8F902D487BA6}"/>
               </a:ext>
             </a:extLst>
           </p:cNvPr>
@@ -1792,7 +1792,7 @@
           <p:cNvPr id="7" name="日期占位符 6">
             <a:extLst>
               <a:ext uri="{FF2B5EF4-FFF2-40B4-BE49-F238E27FC236}">
-                <a16:creationId xmlns:a16="http://schemas.microsoft.com/office/drawing/2014/main" id="{5610C939-25FF-5695-E057-1676BE0ED397}"/>
+                <a16:creationId xmlns:a16="http://schemas.microsoft.com/office/drawing/2014/main" id="{48D11D73-41AA-B5F1-1ADE-AFED3730C3F5}"/>
               </a:ext>
             </a:extLst>
           </p:cNvPr>
@@ -1808,7 +1808,7 @@
           <a:bodyPr/>
           <a:lstStyle/>
           <a:p>
-            <a:fld id="{C251E10E-543F-4645-9468-D4B0FCA8322A}" type="datetimeFigureOut">
+            <a:fld id="{70089170-B3EE-4B23-975F-F20FC553CC3B}" type="datetimeFigureOut">
               <a:rPr lang="zh-CN" altLang="en-US" smtClean="0"/>
               <a:t>2024/3/10</a:t>
             </a:fld>
@@ -1821,7 +1821,7 @@
           <p:cNvPr id="8" name="页脚占位符 7">
             <a:extLst>
               <a:ext uri="{FF2B5EF4-FFF2-40B4-BE49-F238E27FC236}">
-                <a16:creationId xmlns:a16="http://schemas.microsoft.com/office/drawing/2014/main" id="{EAC5C887-FEC5-0890-BE45-55F542BEA0D5}"/>
+                <a16:creationId xmlns:a16="http://schemas.microsoft.com/office/drawing/2014/main" id="{DC346D59-9174-7923-19B4-A6E98D258BAA}"/>
               </a:ext>
             </a:extLst>
           </p:cNvPr>
@@ -1846,7 +1846,7 @@
           <p:cNvPr id="9" name="灯片编号占位符 8">
             <a:extLst>
               <a:ext uri="{FF2B5EF4-FFF2-40B4-BE49-F238E27FC236}">
-                <a16:creationId xmlns:a16="http://schemas.microsoft.com/office/drawing/2014/main" id="{D9E8132E-9602-5FDD-685E-1C3B647AD0CF}"/>
+                <a16:creationId xmlns:a16="http://schemas.microsoft.com/office/drawing/2014/main" id="{CC30E0F3-77DA-2898-95A8-34C2C8E8B272}"/>
               </a:ext>
             </a:extLst>
           </p:cNvPr>
@@ -1862,7 +1862,7 @@
           <a:bodyPr/>
           <a:lstStyle/>
           <a:p>
-            <a:fld id="{EEF008CF-A046-4057-978C-53B428DB9C1C}" type="slidenum">
+            <a:fld id="{4D7F68FD-D081-4185-B4A9-C2E9F58BB5CF}" type="slidenum">
               <a:rPr lang="zh-CN" altLang="en-US" smtClean="0"/>
               <a:t>‹#›</a:t>
             </a:fld>
@@ -1873,7 +1873,7 @@
     </p:spTree>
     <p:extLst>
       <p:ext uri="{BB962C8B-B14F-4D97-AF65-F5344CB8AC3E}">
-        <p14:creationId xmlns:p14="http://schemas.microsoft.com/office/powerpoint/2010/main" val="3202899192"/>
+        <p14:creationId xmlns:p14="http://schemas.microsoft.com/office/powerpoint/2010/main" val="1348989485"/>
       </p:ext>
     </p:extLst>
   </p:cSld>
@@ -1905,7 +1905,7 @@
           <p:cNvPr id="2" name="标题 1">
             <a:extLst>
               <a:ext uri="{FF2B5EF4-FFF2-40B4-BE49-F238E27FC236}">
-                <a16:creationId xmlns:a16="http://schemas.microsoft.com/office/drawing/2014/main" id="{E7DF9C92-088D-7EDB-D8D6-13F5321C54E9}"/>
+                <a16:creationId xmlns:a16="http://schemas.microsoft.com/office/drawing/2014/main" id="{1BDEE4D6-340D-038B-294A-3C58A4AD6F36}"/>
               </a:ext>
             </a:extLst>
           </p:cNvPr>
@@ -1933,7 +1933,7 @@
           <p:cNvPr id="3" name="日期占位符 2">
             <a:extLst>
               <a:ext uri="{FF2B5EF4-FFF2-40B4-BE49-F238E27FC236}">
-                <a16:creationId xmlns:a16="http://schemas.microsoft.com/office/drawing/2014/main" id="{1D84443A-11AB-720F-76DE-A3D6F6F35E62}"/>
+                <a16:creationId xmlns:a16="http://schemas.microsoft.com/office/drawing/2014/main" id="{4C76AF46-07C5-87A7-CD00-91A8F80E5CCC}"/>
               </a:ext>
             </a:extLst>
           </p:cNvPr>
@@ -1949,7 +1949,7 @@
           <a:bodyPr/>
           <a:lstStyle/>
           <a:p>
-            <a:fld id="{C251E10E-543F-4645-9468-D4B0FCA8322A}" type="datetimeFigureOut">
+            <a:fld id="{70089170-B3EE-4B23-975F-F20FC553CC3B}" type="datetimeFigureOut">
               <a:rPr lang="zh-CN" altLang="en-US" smtClean="0"/>
               <a:t>2024/3/10</a:t>
             </a:fld>
@@ -1962,7 +1962,7 @@
           <p:cNvPr id="4" name="页脚占位符 3">
             <a:extLst>
               <a:ext uri="{FF2B5EF4-FFF2-40B4-BE49-F238E27FC236}">
-                <a16:creationId xmlns:a16="http://schemas.microsoft.com/office/drawing/2014/main" id="{8EEA90CB-400C-DAF1-16FA-C7259D0315F9}"/>
+                <a16:creationId xmlns:a16="http://schemas.microsoft.com/office/drawing/2014/main" id="{2E43163A-EA02-E348-D416-B5A4476B9334}"/>
               </a:ext>
             </a:extLst>
           </p:cNvPr>
@@ -1987,7 +1987,7 @@
           <p:cNvPr id="5" name="灯片编号占位符 4">
             <a:extLst>
               <a:ext uri="{FF2B5EF4-FFF2-40B4-BE49-F238E27FC236}">
-                <a16:creationId xmlns:a16="http://schemas.microsoft.com/office/drawing/2014/main" id="{9F582778-2090-0DA1-6C6B-A553DA79F5E0}"/>
+                <a16:creationId xmlns:a16="http://schemas.microsoft.com/office/drawing/2014/main" id="{41C00DF5-184F-380C-C580-1933B68CD647}"/>
               </a:ext>
             </a:extLst>
           </p:cNvPr>
@@ -2003,7 +2003,7 @@
           <a:bodyPr/>
           <a:lstStyle/>
           <a:p>
-            <a:fld id="{EEF008CF-A046-4057-978C-53B428DB9C1C}" type="slidenum">
+            <a:fld id="{4D7F68FD-D081-4185-B4A9-C2E9F58BB5CF}" type="slidenum">
               <a:rPr lang="zh-CN" altLang="en-US" smtClean="0"/>
               <a:t>‹#›</a:t>
             </a:fld>
@@ -2014,7 +2014,7 @@
     </p:spTree>
     <p:extLst>
       <p:ext uri="{BB962C8B-B14F-4D97-AF65-F5344CB8AC3E}">
-        <p14:creationId xmlns:p14="http://schemas.microsoft.com/office/powerpoint/2010/main" val="2528505207"/>
+        <p14:creationId xmlns:p14="http://schemas.microsoft.com/office/powerpoint/2010/main" val="2134358971"/>
       </p:ext>
     </p:extLst>
   </p:cSld>
@@ -2046,7 +2046,7 @@
           <p:cNvPr id="2" name="日期占位符 1">
             <a:extLst>
               <a:ext uri="{FF2B5EF4-FFF2-40B4-BE49-F238E27FC236}">
-                <a16:creationId xmlns:a16="http://schemas.microsoft.com/office/drawing/2014/main" id="{F83CF740-EA1B-4B51-9774-1CBCBE2B79FB}"/>
+                <a16:creationId xmlns:a16="http://schemas.microsoft.com/office/drawing/2014/main" id="{2B6527A6-E21E-7FE9-BD1F-AF18D6998207}"/>
               </a:ext>
             </a:extLst>
           </p:cNvPr>
@@ -2062,7 +2062,7 @@
           <a:bodyPr/>
           <a:lstStyle/>
           <a:p>
-            <a:fld id="{C251E10E-543F-4645-9468-D4B0FCA8322A}" type="datetimeFigureOut">
+            <a:fld id="{70089170-B3EE-4B23-975F-F20FC553CC3B}" type="datetimeFigureOut">
               <a:rPr lang="zh-CN" altLang="en-US" smtClean="0"/>
               <a:t>2024/3/10</a:t>
             </a:fld>
@@ -2075,7 +2075,7 @@
           <p:cNvPr id="3" name="页脚占位符 2">
             <a:extLst>
               <a:ext uri="{FF2B5EF4-FFF2-40B4-BE49-F238E27FC236}">
-                <a16:creationId xmlns:a16="http://schemas.microsoft.com/office/drawing/2014/main" id="{803EAA5D-2A3F-2745-C12D-27172629D0FE}"/>
+                <a16:creationId xmlns:a16="http://schemas.microsoft.com/office/drawing/2014/main" id="{D3303213-F046-4209-D58E-1FB5D763B2CA}"/>
               </a:ext>
             </a:extLst>
           </p:cNvPr>
@@ -2100,7 +2100,7 @@
           <p:cNvPr id="4" name="灯片编号占位符 3">
             <a:extLst>
               <a:ext uri="{FF2B5EF4-FFF2-40B4-BE49-F238E27FC236}">
-                <a16:creationId xmlns:a16="http://schemas.microsoft.com/office/drawing/2014/main" id="{02200E75-73F3-7DDF-B43F-DBC0648C8B5C}"/>
+                <a16:creationId xmlns:a16="http://schemas.microsoft.com/office/drawing/2014/main" id="{12C7E8F6-8A72-9E5C-C1F1-99E9DF8F3A29}"/>
               </a:ext>
             </a:extLst>
           </p:cNvPr>
@@ -2116,7 +2116,7 @@
           <a:bodyPr/>
           <a:lstStyle/>
           <a:p>
-            <a:fld id="{EEF008CF-A046-4057-978C-53B428DB9C1C}" type="slidenum">
+            <a:fld id="{4D7F68FD-D081-4185-B4A9-C2E9F58BB5CF}" type="slidenum">
               <a:rPr lang="zh-CN" altLang="en-US" smtClean="0"/>
               <a:t>‹#›</a:t>
             </a:fld>
@@ -2127,7 +2127,7 @@
     </p:spTree>
     <p:extLst>
       <p:ext uri="{BB962C8B-B14F-4D97-AF65-F5344CB8AC3E}">
-        <p14:creationId xmlns:p14="http://schemas.microsoft.com/office/powerpoint/2010/main" val="1065737021"/>
+        <p14:creationId xmlns:p14="http://schemas.microsoft.com/office/powerpoint/2010/main" val="1958887173"/>
       </p:ext>
     </p:extLst>
   </p:cSld>
@@ -2159,7 +2159,7 @@
           <p:cNvPr id="2" name="标题 1">
             <a:extLst>
               <a:ext uri="{FF2B5EF4-FFF2-40B4-BE49-F238E27FC236}">
-                <a16:creationId xmlns:a16="http://schemas.microsoft.com/office/drawing/2014/main" id="{AFE3577B-1D96-5AF0-6C1A-9FEF1E9E92C6}"/>
+                <a16:creationId xmlns:a16="http://schemas.microsoft.com/office/drawing/2014/main" id="{E4544DDE-82FF-0072-2A5F-1385ACBF0929}"/>
               </a:ext>
             </a:extLst>
           </p:cNvPr>
@@ -2196,7 +2196,7 @@
           <p:cNvPr id="3" name="内容占位符 2">
             <a:extLst>
               <a:ext uri="{FF2B5EF4-FFF2-40B4-BE49-F238E27FC236}">
-                <a16:creationId xmlns:a16="http://schemas.microsoft.com/office/drawing/2014/main" id="{5EBB3629-42F4-74E2-5E45-E5C50359F6FE}"/>
+                <a16:creationId xmlns:a16="http://schemas.microsoft.com/office/drawing/2014/main" id="{0B6CB09B-8CB6-45E1-EE5C-F1D362519614}"/>
               </a:ext>
             </a:extLst>
           </p:cNvPr>
@@ -2286,7 +2286,7 @@
           <p:cNvPr id="4" name="文本占位符 3">
             <a:extLst>
               <a:ext uri="{FF2B5EF4-FFF2-40B4-BE49-F238E27FC236}">
-                <a16:creationId xmlns:a16="http://schemas.microsoft.com/office/drawing/2014/main" id="{5E9BC06D-D976-47AD-5DBB-B6F60CABB73D}"/>
+                <a16:creationId xmlns:a16="http://schemas.microsoft.com/office/drawing/2014/main" id="{BC97404C-D097-668F-A80B-B395731E4240}"/>
               </a:ext>
             </a:extLst>
           </p:cNvPr>
@@ -2357,7 +2357,7 @@
           <p:cNvPr id="5" name="日期占位符 4">
             <a:extLst>
               <a:ext uri="{FF2B5EF4-FFF2-40B4-BE49-F238E27FC236}">
-                <a16:creationId xmlns:a16="http://schemas.microsoft.com/office/drawing/2014/main" id="{C283BB7B-ACB4-E2F4-A1C6-E6D0900E677E}"/>
+                <a16:creationId xmlns:a16="http://schemas.microsoft.com/office/drawing/2014/main" id="{23FE6ECC-84B9-DD93-97A4-3D236C1C6BD1}"/>
               </a:ext>
             </a:extLst>
           </p:cNvPr>
@@ -2373,7 +2373,7 @@
           <a:bodyPr/>
           <a:lstStyle/>
           <a:p>
-            <a:fld id="{C251E10E-543F-4645-9468-D4B0FCA8322A}" type="datetimeFigureOut">
+            <a:fld id="{70089170-B3EE-4B23-975F-F20FC553CC3B}" type="datetimeFigureOut">
               <a:rPr lang="zh-CN" altLang="en-US" smtClean="0"/>
               <a:t>2024/3/10</a:t>
             </a:fld>
@@ -2386,7 +2386,7 @@
           <p:cNvPr id="6" name="页脚占位符 5">
             <a:extLst>
               <a:ext uri="{FF2B5EF4-FFF2-40B4-BE49-F238E27FC236}">
-                <a16:creationId xmlns:a16="http://schemas.microsoft.com/office/drawing/2014/main" id="{2B8990B5-29BE-0106-B7B6-BD0E5D1EF99D}"/>
+                <a16:creationId xmlns:a16="http://schemas.microsoft.com/office/drawing/2014/main" id="{A43BD4DC-1B69-7F92-9B8E-A060063C8960}"/>
               </a:ext>
             </a:extLst>
           </p:cNvPr>
@@ -2411,7 +2411,7 @@
           <p:cNvPr id="7" name="灯片编号占位符 6">
             <a:extLst>
               <a:ext uri="{FF2B5EF4-FFF2-40B4-BE49-F238E27FC236}">
-                <a16:creationId xmlns:a16="http://schemas.microsoft.com/office/drawing/2014/main" id="{EAA827D3-CB16-FA2B-43F0-DB662F8223EA}"/>
+                <a16:creationId xmlns:a16="http://schemas.microsoft.com/office/drawing/2014/main" id="{3E60F26C-6AAE-DF06-182E-483B445746B7}"/>
               </a:ext>
             </a:extLst>
           </p:cNvPr>
@@ -2427,7 +2427,7 @@
           <a:bodyPr/>
           <a:lstStyle/>
           <a:p>
-            <a:fld id="{EEF008CF-A046-4057-978C-53B428DB9C1C}" type="slidenum">
+            <a:fld id="{4D7F68FD-D081-4185-B4A9-C2E9F58BB5CF}" type="slidenum">
               <a:rPr lang="zh-CN" altLang="en-US" smtClean="0"/>
               <a:t>‹#›</a:t>
             </a:fld>
@@ -2438,7 +2438,7 @@
     </p:spTree>
     <p:extLst>
       <p:ext uri="{BB962C8B-B14F-4D97-AF65-F5344CB8AC3E}">
-        <p14:creationId xmlns:p14="http://schemas.microsoft.com/office/powerpoint/2010/main" val="57150920"/>
+        <p14:creationId xmlns:p14="http://schemas.microsoft.com/office/powerpoint/2010/main" val="1201544245"/>
       </p:ext>
     </p:extLst>
   </p:cSld>
@@ -2470,7 +2470,7 @@
           <p:cNvPr id="2" name="标题 1">
             <a:extLst>
               <a:ext uri="{FF2B5EF4-FFF2-40B4-BE49-F238E27FC236}">
-                <a16:creationId xmlns:a16="http://schemas.microsoft.com/office/drawing/2014/main" id="{6A5D3A01-68CA-6294-FC5E-AE2B939E135E}"/>
+                <a16:creationId xmlns:a16="http://schemas.microsoft.com/office/drawing/2014/main" id="{8B71573F-DACC-3128-B8E2-090F89DCF1B8}"/>
               </a:ext>
             </a:extLst>
           </p:cNvPr>
@@ -2507,7 +2507,7 @@
           <p:cNvPr id="3" name="图片占位符 2">
             <a:extLst>
               <a:ext uri="{FF2B5EF4-FFF2-40B4-BE49-F238E27FC236}">
-                <a16:creationId xmlns:a16="http://schemas.microsoft.com/office/drawing/2014/main" id="{D1403DA2-1B5C-4202-FCBD-61DC0FDC469C}"/>
+                <a16:creationId xmlns:a16="http://schemas.microsoft.com/office/drawing/2014/main" id="{322B5891-A813-893F-2BCE-41ED96B656A3}"/>
               </a:ext>
             </a:extLst>
           </p:cNvPr>
@@ -2574,7 +2574,7 @@
           <p:cNvPr id="4" name="文本占位符 3">
             <a:extLst>
               <a:ext uri="{FF2B5EF4-FFF2-40B4-BE49-F238E27FC236}">
-                <a16:creationId xmlns:a16="http://schemas.microsoft.com/office/drawing/2014/main" id="{CC6083B8-36D2-EFA6-D7A4-0F9F149A5FC7}"/>
+                <a16:creationId xmlns:a16="http://schemas.microsoft.com/office/drawing/2014/main" id="{9DF701E8-071E-D9A5-6572-80CAE313F7F4}"/>
               </a:ext>
             </a:extLst>
           </p:cNvPr>
@@ -2645,7 +2645,7 @@
           <p:cNvPr id="5" name="日期占位符 4">
             <a:extLst>
               <a:ext uri="{FF2B5EF4-FFF2-40B4-BE49-F238E27FC236}">
-                <a16:creationId xmlns:a16="http://schemas.microsoft.com/office/drawing/2014/main" id="{83276135-F32E-246D-5161-8E0798D69F74}"/>
+                <a16:creationId xmlns:a16="http://schemas.microsoft.com/office/drawing/2014/main" id="{6C8D9CEE-A566-774B-B499-367F4CAB75E2}"/>
               </a:ext>
             </a:extLst>
           </p:cNvPr>
@@ -2661,7 +2661,7 @@
           <a:bodyPr/>
           <a:lstStyle/>
           <a:p>
-            <a:fld id="{C251E10E-543F-4645-9468-D4B0FCA8322A}" type="datetimeFigureOut">
+            <a:fld id="{70089170-B3EE-4B23-975F-F20FC553CC3B}" type="datetimeFigureOut">
               <a:rPr lang="zh-CN" altLang="en-US" smtClean="0"/>
               <a:t>2024/3/10</a:t>
             </a:fld>
@@ -2674,7 +2674,7 @@
           <p:cNvPr id="6" name="页脚占位符 5">
             <a:extLst>
               <a:ext uri="{FF2B5EF4-FFF2-40B4-BE49-F238E27FC236}">
-                <a16:creationId xmlns:a16="http://schemas.microsoft.com/office/drawing/2014/main" id="{B2E9D8A0-1FC5-379B-CDFC-15D1DFF468E8}"/>
+                <a16:creationId xmlns:a16="http://schemas.microsoft.com/office/drawing/2014/main" id="{9FC38E99-9397-2813-3CCE-8E88DCA784F4}"/>
               </a:ext>
             </a:extLst>
           </p:cNvPr>
@@ -2699,7 +2699,7 @@
           <p:cNvPr id="7" name="灯片编号占位符 6">
             <a:extLst>
               <a:ext uri="{FF2B5EF4-FFF2-40B4-BE49-F238E27FC236}">
-                <a16:creationId xmlns:a16="http://schemas.microsoft.com/office/drawing/2014/main" id="{91EDB28A-E1C5-20C1-4921-40D116468E53}"/>
+                <a16:creationId xmlns:a16="http://schemas.microsoft.com/office/drawing/2014/main" id="{12CB14E9-FDE4-6BA1-FD2C-42E657644E85}"/>
               </a:ext>
             </a:extLst>
           </p:cNvPr>
@@ -2715,7 +2715,7 @@
           <a:bodyPr/>
           <a:lstStyle/>
           <a:p>
-            <a:fld id="{EEF008CF-A046-4057-978C-53B428DB9C1C}" type="slidenum">
+            <a:fld id="{4D7F68FD-D081-4185-B4A9-C2E9F58BB5CF}" type="slidenum">
               <a:rPr lang="zh-CN" altLang="en-US" smtClean="0"/>
               <a:t>‹#›</a:t>
             </a:fld>
@@ -2726,7 +2726,7 @@
     </p:spTree>
     <p:extLst>
       <p:ext uri="{BB962C8B-B14F-4D97-AF65-F5344CB8AC3E}">
-        <p14:creationId xmlns:p14="http://schemas.microsoft.com/office/powerpoint/2010/main" val="3569887238"/>
+        <p14:creationId xmlns:p14="http://schemas.microsoft.com/office/powerpoint/2010/main" val="3245319547"/>
       </p:ext>
     </p:extLst>
   </p:cSld>
@@ -2763,7 +2763,7 @@
           <p:cNvPr id="2" name="标题占位符 1">
             <a:extLst>
               <a:ext uri="{FF2B5EF4-FFF2-40B4-BE49-F238E27FC236}">
-                <a16:creationId xmlns:a16="http://schemas.microsoft.com/office/drawing/2014/main" id="{2A72ACCC-A0AE-3ED4-18F0-24DCC8289E17}"/>
+                <a16:creationId xmlns:a16="http://schemas.microsoft.com/office/drawing/2014/main" id="{BB6E2A10-498C-D8C6-2796-145795724046}"/>
               </a:ext>
             </a:extLst>
           </p:cNvPr>
@@ -2801,7 +2801,7 @@
           <p:cNvPr id="3" name="文本占位符 2">
             <a:extLst>
               <a:ext uri="{FF2B5EF4-FFF2-40B4-BE49-F238E27FC236}">
-                <a16:creationId xmlns:a16="http://schemas.microsoft.com/office/drawing/2014/main" id="{1AAA1146-74C9-B2FF-4E47-C76D798A9E53}"/>
+                <a16:creationId xmlns:a16="http://schemas.microsoft.com/office/drawing/2014/main" id="{57EB4B93-C5DF-64B6-6BB6-F10A23207738}"/>
               </a:ext>
             </a:extLst>
           </p:cNvPr>
@@ -2868,7 +2868,7 @@
           <p:cNvPr id="4" name="日期占位符 3">
             <a:extLst>
               <a:ext uri="{FF2B5EF4-FFF2-40B4-BE49-F238E27FC236}">
-                <a16:creationId xmlns:a16="http://schemas.microsoft.com/office/drawing/2014/main" id="{28756181-A1D4-1D0A-DCCE-1FA80D847BC9}"/>
+                <a16:creationId xmlns:a16="http://schemas.microsoft.com/office/drawing/2014/main" id="{F0AEC9D1-FF07-ED40-801D-E73CA008EC91}"/>
               </a:ext>
             </a:extLst>
           </p:cNvPr>
@@ -2902,7 +2902,7 @@
             </a:lvl1pPr>
           </a:lstStyle>
           <a:p>
-            <a:fld id="{C251E10E-543F-4645-9468-D4B0FCA8322A}" type="datetimeFigureOut">
+            <a:fld id="{70089170-B3EE-4B23-975F-F20FC553CC3B}" type="datetimeFigureOut">
               <a:rPr lang="zh-CN" altLang="en-US" smtClean="0"/>
               <a:t>2024/3/10</a:t>
             </a:fld>
@@ -2915,7 +2915,7 @@
           <p:cNvPr id="5" name="页脚占位符 4">
             <a:extLst>
               <a:ext uri="{FF2B5EF4-FFF2-40B4-BE49-F238E27FC236}">
-                <a16:creationId xmlns:a16="http://schemas.microsoft.com/office/drawing/2014/main" id="{DE3A8A8F-B218-BD05-6DCB-0144926DCE77}"/>
+                <a16:creationId xmlns:a16="http://schemas.microsoft.com/office/drawing/2014/main" id="{E548FDD7-8B29-F88A-DDAC-F480EBC0A55C}"/>
               </a:ext>
             </a:extLst>
           </p:cNvPr>
@@ -2958,7 +2958,7 @@
           <p:cNvPr id="6" name="灯片编号占位符 5">
             <a:extLst>
               <a:ext uri="{FF2B5EF4-FFF2-40B4-BE49-F238E27FC236}">
-                <a16:creationId xmlns:a16="http://schemas.microsoft.com/office/drawing/2014/main" id="{926D3BC8-E062-C767-B953-F33F87B99A23}"/>
+                <a16:creationId xmlns:a16="http://schemas.microsoft.com/office/drawing/2014/main" id="{0C436E4A-CFD2-2774-868F-9613FF526F61}"/>
               </a:ext>
             </a:extLst>
           </p:cNvPr>
@@ -2992,7 +2992,7 @@
             </a:lvl1pPr>
           </a:lstStyle>
           <a:p>
-            <a:fld id="{EEF008CF-A046-4057-978C-53B428DB9C1C}" type="slidenum">
+            <a:fld id="{4D7F68FD-D081-4185-B4A9-C2E9F58BB5CF}" type="slidenum">
               <a:rPr lang="zh-CN" altLang="en-US" smtClean="0"/>
               <a:t>‹#›</a:t>
             </a:fld>
@@ -3003,7 +3003,7 @@
     </p:spTree>
     <p:extLst>
       <p:ext uri="{BB962C8B-B14F-4D97-AF65-F5344CB8AC3E}">
-        <p14:creationId xmlns:p14="http://schemas.microsoft.com/office/powerpoint/2010/main" val="2183135474"/>
+        <p14:creationId xmlns:p14="http://schemas.microsoft.com/office/powerpoint/2010/main" val="3071422005"/>
       </p:ext>
     </p:extLst>
   </p:cSld>
